--- a/Web-Training/01_Understand-XML-CURRENT.pptx
+++ b/Web-Training/01_Understand-XML-CURRENT.pptx
@@ -177,7 +177,7 @@
           <a:noFill/>
           <a:extLst>
             <a:ext uri="{909E8E84-426E-40dd-AFC4-6F175D3DCCD1}">
-              <a14:hiddenFill xmlns:a14="http://schemas.microsoft.com/office/drawing/2010/main" xmlns="">
+              <a14:hiddenFill xmlns="" xmlns:a14="http://schemas.microsoft.com/office/drawing/2010/main">
                 <a:solidFill>
                   <a:srgbClr val="FFFFFF"/>
                 </a:solidFill>
@@ -237,7 +237,7 @@
             </a:ln>
             <a:extLst>
               <a:ext uri="{91240B29-F687-4f45-9708-019B960494DF}">
-                <a14:hiddenLine xmlns:a14="http://schemas.microsoft.com/office/drawing/2010/main" xmlns="" w="9525">
+                <a14:hiddenLine xmlns="" xmlns:a14="http://schemas.microsoft.com/office/drawing/2010/main" w="9525">
                   <a:solidFill>
                     <a:srgbClr val="000000"/>
                   </a:solidFill>
@@ -327,7 +327,7 @@
             </a:ln>
             <a:extLst>
               <a:ext uri="{91240B29-F687-4f45-9708-019B960494DF}">
-                <a14:hiddenLine xmlns:a14="http://schemas.microsoft.com/office/drawing/2010/main" xmlns="" w="9525">
+                <a14:hiddenLine xmlns="" xmlns:a14="http://schemas.microsoft.com/office/drawing/2010/main" w="9525">
                   <a:solidFill>
                     <a:srgbClr val="000000"/>
                   </a:solidFill>
@@ -417,7 +417,7 @@
             </a:ln>
             <a:extLst>
               <a:ext uri="{91240B29-F687-4f45-9708-019B960494DF}">
-                <a14:hiddenLine xmlns:a14="http://schemas.microsoft.com/office/drawing/2010/main" xmlns="" w="9525">
+                <a14:hiddenLine xmlns="" xmlns:a14="http://schemas.microsoft.com/office/drawing/2010/main" w="9525">
                   <a:solidFill>
                     <a:srgbClr val="000000"/>
                   </a:solidFill>
@@ -451,7 +451,7 @@
             </a:ln>
             <a:extLst>
               <a:ext uri="{91240B29-F687-4f45-9708-019B960494DF}">
-                <a14:hiddenLine xmlns:a14="http://schemas.microsoft.com/office/drawing/2010/main" xmlns="" w="9525">
+                <a14:hiddenLine xmlns="" xmlns:a14="http://schemas.microsoft.com/office/drawing/2010/main" w="9525">
                   <a:solidFill>
                     <a:srgbClr val="000000"/>
                   </a:solidFill>
@@ -541,7 +541,7 @@
             </a:ln>
             <a:extLst>
               <a:ext uri="{91240B29-F687-4f45-9708-019B960494DF}">
-                <a14:hiddenLine xmlns:a14="http://schemas.microsoft.com/office/drawing/2010/main" xmlns="" w="9525">
+                <a14:hiddenLine xmlns="" xmlns:a14="http://schemas.microsoft.com/office/drawing/2010/main" w="9525">
                   <a:solidFill>
                     <a:srgbClr val="000000"/>
                   </a:solidFill>
@@ -603,7 +603,7 @@
             </a:ln>
             <a:extLst>
               <a:ext uri="{91240B29-F687-4f45-9708-019B960494DF}">
-                <a14:hiddenLine xmlns:a14="http://schemas.microsoft.com/office/drawing/2010/main" xmlns="" w="9525">
+                <a14:hiddenLine xmlns="" xmlns:a14="http://schemas.microsoft.com/office/drawing/2010/main" w="9525">
                   <a:solidFill>
                     <a:srgbClr val="000000"/>
                   </a:solidFill>
@@ -665,7 +665,7 @@
             </a:ln>
             <a:extLst>
               <a:ext uri="{91240B29-F687-4f45-9708-019B960494DF}">
-                <a14:hiddenLine xmlns:a14="http://schemas.microsoft.com/office/drawing/2010/main" xmlns="" w="9525">
+                <a14:hiddenLine xmlns="" xmlns:a14="http://schemas.microsoft.com/office/drawing/2010/main" w="9525">
                   <a:solidFill>
                     <a:srgbClr val="000000"/>
                   </a:solidFill>
@@ -755,7 +755,7 @@
             </a:ln>
             <a:extLst>
               <a:ext uri="{91240B29-F687-4f45-9708-019B960494DF}">
-                <a14:hiddenLine xmlns:a14="http://schemas.microsoft.com/office/drawing/2010/main" xmlns="" w="9525">
+                <a14:hiddenLine xmlns="" xmlns:a14="http://schemas.microsoft.com/office/drawing/2010/main" w="9525">
                   <a:solidFill>
                     <a:srgbClr val="000000"/>
                   </a:solidFill>
@@ -817,7 +817,7 @@
             </a:ln>
             <a:extLst>
               <a:ext uri="{91240B29-F687-4f45-9708-019B960494DF}">
-                <a14:hiddenLine xmlns:a14="http://schemas.microsoft.com/office/drawing/2010/main" xmlns="" w="9525">
+                <a14:hiddenLine xmlns="" xmlns:a14="http://schemas.microsoft.com/office/drawing/2010/main" w="9525">
                   <a:solidFill>
                     <a:srgbClr val="000000"/>
                   </a:solidFill>
@@ -879,7 +879,7 @@
             </a:ln>
             <a:extLst>
               <a:ext uri="{91240B29-F687-4f45-9708-019B960494DF}">
-                <a14:hiddenLine xmlns:a14="http://schemas.microsoft.com/office/drawing/2010/main" xmlns="" w="9525">
+                <a14:hiddenLine xmlns="" xmlns:a14="http://schemas.microsoft.com/office/drawing/2010/main" w="9525">
                   <a:solidFill>
                     <a:srgbClr val="000000"/>
                   </a:solidFill>
@@ -969,7 +969,7 @@
             </a:ln>
             <a:extLst>
               <a:ext uri="{91240B29-F687-4f45-9708-019B960494DF}">
-                <a14:hiddenLine xmlns:a14="http://schemas.microsoft.com/office/drawing/2010/main" xmlns="" w="9525">
+                <a14:hiddenLine xmlns="" xmlns:a14="http://schemas.microsoft.com/office/drawing/2010/main" w="9525">
                   <a:solidFill>
                     <a:srgbClr val="000000"/>
                   </a:solidFill>
@@ -1059,7 +1059,7 @@
             </a:ln>
             <a:extLst>
               <a:ext uri="{91240B29-F687-4f45-9708-019B960494DF}">
-                <a14:hiddenLine xmlns:a14="http://schemas.microsoft.com/office/drawing/2010/main" xmlns="" w="9525">
+                <a14:hiddenLine xmlns="" xmlns:a14="http://schemas.microsoft.com/office/drawing/2010/main" w="9525">
                   <a:solidFill>
                     <a:srgbClr val="000000"/>
                   </a:solidFill>
@@ -1121,7 +1121,7 @@
             </a:ln>
             <a:extLst>
               <a:ext uri="{91240B29-F687-4f45-9708-019B960494DF}">
-                <a14:hiddenLine xmlns:a14="http://schemas.microsoft.com/office/drawing/2010/main" xmlns="" w="9525">
+                <a14:hiddenLine xmlns="" xmlns:a14="http://schemas.microsoft.com/office/drawing/2010/main" w="9525">
                   <a:solidFill>
                     <a:srgbClr val="000000"/>
                   </a:solidFill>
@@ -1231,7 +1231,7 @@
             </a:ln>
             <a:extLst>
               <a:ext uri="{91240B29-F687-4f45-9708-019B960494DF}">
-                <a14:hiddenLine xmlns:a14="http://schemas.microsoft.com/office/drawing/2010/main" xmlns="" w="9525">
+                <a14:hiddenLine xmlns="" xmlns:a14="http://schemas.microsoft.com/office/drawing/2010/main" w="9525">
                   <a:solidFill>
                     <a:srgbClr val="000000"/>
                   </a:solidFill>
@@ -1293,7 +1293,7 @@
             </a:ln>
             <a:extLst>
               <a:ext uri="{91240B29-F687-4f45-9708-019B960494DF}">
-                <a14:hiddenLine xmlns:a14="http://schemas.microsoft.com/office/drawing/2010/main" xmlns="" w="9525">
+                <a14:hiddenLine xmlns="" xmlns:a14="http://schemas.microsoft.com/office/drawing/2010/main" w="9525">
                   <a:solidFill>
                     <a:srgbClr val="000000"/>
                   </a:solidFill>
@@ -1383,7 +1383,7 @@
             </a:ln>
             <a:extLst>
               <a:ext uri="{91240B29-F687-4f45-9708-019B960494DF}">
-                <a14:hiddenLine xmlns:a14="http://schemas.microsoft.com/office/drawing/2010/main" xmlns="" w="9525">
+                <a14:hiddenLine xmlns="" xmlns:a14="http://schemas.microsoft.com/office/drawing/2010/main" w="9525">
                   <a:solidFill>
                     <a:srgbClr val="000000"/>
                   </a:solidFill>
@@ -1473,7 +1473,7 @@
             </a:ln>
             <a:extLst>
               <a:ext uri="{91240B29-F687-4f45-9708-019B960494DF}">
-                <a14:hiddenLine xmlns:a14="http://schemas.microsoft.com/office/drawing/2010/main" xmlns="" w="9525">
+                <a14:hiddenLine xmlns="" xmlns:a14="http://schemas.microsoft.com/office/drawing/2010/main" w="9525">
                   <a:solidFill>
                     <a:srgbClr val="000000"/>
                   </a:solidFill>
@@ -1535,7 +1535,7 @@
             </a:ln>
             <a:extLst>
               <a:ext uri="{91240B29-F687-4f45-9708-019B960494DF}">
-                <a14:hiddenLine xmlns:a14="http://schemas.microsoft.com/office/drawing/2010/main" xmlns="" w="9525">
+                <a14:hiddenLine xmlns="" xmlns:a14="http://schemas.microsoft.com/office/drawing/2010/main" w="9525">
                   <a:solidFill>
                     <a:srgbClr val="000000"/>
                   </a:solidFill>
@@ -1625,7 +1625,7 @@
             </a:ln>
             <a:extLst>
               <a:ext uri="{91240B29-F687-4f45-9708-019B960494DF}">
-                <a14:hiddenLine xmlns:a14="http://schemas.microsoft.com/office/drawing/2010/main" xmlns="" w="9525">
+                <a14:hiddenLine xmlns="" xmlns:a14="http://schemas.microsoft.com/office/drawing/2010/main" w="9525">
                   <a:solidFill>
                     <a:srgbClr val="000000"/>
                   </a:solidFill>
@@ -1715,7 +1715,7 @@
             </a:ln>
             <a:extLst>
               <a:ext uri="{91240B29-F687-4f45-9708-019B960494DF}">
-                <a14:hiddenLine xmlns:a14="http://schemas.microsoft.com/office/drawing/2010/main" xmlns="" w="9525">
+                <a14:hiddenLine xmlns="" xmlns:a14="http://schemas.microsoft.com/office/drawing/2010/main" w="9525">
                   <a:solidFill>
                     <a:srgbClr val="000000"/>
                   </a:solidFill>
@@ -1771,7 +1771,7 @@
             </a:ln>
             <a:extLst>
               <a:ext uri="{91240B29-F687-4f45-9708-019B960494DF}">
-                <a14:hiddenLine xmlns:a14="http://schemas.microsoft.com/office/drawing/2010/main" xmlns="" w="9525">
+                <a14:hiddenLine xmlns="" xmlns:a14="http://schemas.microsoft.com/office/drawing/2010/main" w="9525">
                   <a:solidFill>
                     <a:srgbClr val="000000"/>
                   </a:solidFill>
@@ -1861,7 +1861,7 @@
             </a:ln>
             <a:extLst>
               <a:ext uri="{91240B29-F687-4f45-9708-019B960494DF}">
-                <a14:hiddenLine xmlns:a14="http://schemas.microsoft.com/office/drawing/2010/main" xmlns="" w="9525">
+                <a14:hiddenLine xmlns="" xmlns:a14="http://schemas.microsoft.com/office/drawing/2010/main" w="9525">
                   <a:solidFill>
                     <a:srgbClr val="000000"/>
                   </a:solidFill>
@@ -1917,7 +1917,7 @@
             </a:ln>
             <a:extLst>
               <a:ext uri="{91240B29-F687-4f45-9708-019B960494DF}">
-                <a14:hiddenLine xmlns:a14="http://schemas.microsoft.com/office/drawing/2010/main" xmlns="" w="9525">
+                <a14:hiddenLine xmlns="" xmlns:a14="http://schemas.microsoft.com/office/drawing/2010/main" w="9525">
                   <a:solidFill>
                     <a:srgbClr val="000000"/>
                   </a:solidFill>
@@ -2007,7 +2007,7 @@
             </a:ln>
             <a:extLst>
               <a:ext uri="{91240B29-F687-4f45-9708-019B960494DF}">
-                <a14:hiddenLine xmlns:a14="http://schemas.microsoft.com/office/drawing/2010/main" xmlns="" w="9525">
+                <a14:hiddenLine xmlns="" xmlns:a14="http://schemas.microsoft.com/office/drawing/2010/main" w="9525">
                   <a:solidFill>
                     <a:srgbClr val="000000"/>
                   </a:solidFill>
@@ -2075,7 +2075,7 @@
             </a:ln>
             <a:extLst>
               <a:ext uri="{91240B29-F687-4f45-9708-019B960494DF}">
-                <a14:hiddenLine xmlns:a14="http://schemas.microsoft.com/office/drawing/2010/main" xmlns="" w="9525">
+                <a14:hiddenLine xmlns="" xmlns:a14="http://schemas.microsoft.com/office/drawing/2010/main" w="9525">
                   <a:solidFill>
                     <a:srgbClr val="000000"/>
                   </a:solidFill>
@@ -2165,7 +2165,7 @@
             </a:ln>
             <a:extLst>
               <a:ext uri="{91240B29-F687-4f45-9708-019B960494DF}">
-                <a14:hiddenLine xmlns:a14="http://schemas.microsoft.com/office/drawing/2010/main" xmlns="" w="9525">
+                <a14:hiddenLine xmlns="" xmlns:a14="http://schemas.microsoft.com/office/drawing/2010/main" w="9525">
                   <a:solidFill>
                     <a:srgbClr val="000000"/>
                   </a:solidFill>
@@ -2233,7 +2233,7 @@
             </a:ln>
             <a:extLst>
               <a:ext uri="{91240B29-F687-4f45-9708-019B960494DF}">
-                <a14:hiddenLine xmlns:a14="http://schemas.microsoft.com/office/drawing/2010/main" xmlns="" w="9525">
+                <a14:hiddenLine xmlns="" xmlns:a14="http://schemas.microsoft.com/office/drawing/2010/main" w="9525">
                   <a:solidFill>
                     <a:srgbClr val="000000"/>
                   </a:solidFill>
@@ -2323,7 +2323,7 @@
             </a:ln>
             <a:extLst>
               <a:ext uri="{91240B29-F687-4f45-9708-019B960494DF}">
-                <a14:hiddenLine xmlns:a14="http://schemas.microsoft.com/office/drawing/2010/main" xmlns="" w="9525">
+                <a14:hiddenLine xmlns="" xmlns:a14="http://schemas.microsoft.com/office/drawing/2010/main" w="9525">
                   <a:solidFill>
                     <a:srgbClr val="000000"/>
                   </a:solidFill>
@@ -2357,7 +2357,7 @@
             </a:ln>
             <a:extLst>
               <a:ext uri="{91240B29-F687-4f45-9708-019B960494DF}">
-                <a14:hiddenLine xmlns:a14="http://schemas.microsoft.com/office/drawing/2010/main" xmlns="" w="9525">
+                <a14:hiddenLine xmlns="" xmlns:a14="http://schemas.microsoft.com/office/drawing/2010/main" w="9525">
                   <a:solidFill>
                     <a:srgbClr val="000000"/>
                   </a:solidFill>
@@ -2447,7 +2447,7 @@
             </a:ln>
             <a:extLst>
               <a:ext uri="{91240B29-F687-4f45-9708-019B960494DF}">
-                <a14:hiddenLine xmlns:a14="http://schemas.microsoft.com/office/drawing/2010/main" xmlns="" w="9525">
+                <a14:hiddenLine xmlns="" xmlns:a14="http://schemas.microsoft.com/office/drawing/2010/main" w="9525">
                   <a:solidFill>
                     <a:srgbClr val="000000"/>
                   </a:solidFill>
@@ -2509,7 +2509,7 @@
             </a:ln>
             <a:extLst>
               <a:ext uri="{91240B29-F687-4f45-9708-019B960494DF}">
-                <a14:hiddenLine xmlns:a14="http://schemas.microsoft.com/office/drawing/2010/main" xmlns="" w="9525">
+                <a14:hiddenLine xmlns="" xmlns:a14="http://schemas.microsoft.com/office/drawing/2010/main" w="9525">
                   <a:solidFill>
                     <a:srgbClr val="000000"/>
                   </a:solidFill>
@@ -2571,7 +2571,7 @@
             </a:ln>
             <a:extLst>
               <a:ext uri="{91240B29-F687-4f45-9708-019B960494DF}">
-                <a14:hiddenLine xmlns:a14="http://schemas.microsoft.com/office/drawing/2010/main" xmlns="" w="9525">
+                <a14:hiddenLine xmlns="" xmlns:a14="http://schemas.microsoft.com/office/drawing/2010/main" w="9525">
                   <a:solidFill>
                     <a:srgbClr val="000000"/>
                   </a:solidFill>
@@ -2661,7 +2661,7 @@
             </a:ln>
             <a:extLst>
               <a:ext uri="{91240B29-F687-4f45-9708-019B960494DF}">
-                <a14:hiddenLine xmlns:a14="http://schemas.microsoft.com/office/drawing/2010/main" xmlns="" w="9525">
+                <a14:hiddenLine xmlns="" xmlns:a14="http://schemas.microsoft.com/office/drawing/2010/main" w="9525">
                   <a:solidFill>
                     <a:srgbClr val="000000"/>
                   </a:solidFill>
@@ -2729,7 +2729,7 @@
             </a:ln>
             <a:extLst>
               <a:ext uri="{91240B29-F687-4f45-9708-019B960494DF}">
-                <a14:hiddenLine xmlns:a14="http://schemas.microsoft.com/office/drawing/2010/main" xmlns="" w="9525">
+                <a14:hiddenLine xmlns="" xmlns:a14="http://schemas.microsoft.com/office/drawing/2010/main" w="9525">
                   <a:solidFill>
                     <a:srgbClr val="000000"/>
                   </a:solidFill>
@@ -2791,7 +2791,7 @@
             </a:ln>
             <a:extLst>
               <a:ext uri="{91240B29-F687-4f45-9708-019B960494DF}">
-                <a14:hiddenLine xmlns:a14="http://schemas.microsoft.com/office/drawing/2010/main" xmlns="" w="9525">
+                <a14:hiddenLine xmlns="" xmlns:a14="http://schemas.microsoft.com/office/drawing/2010/main" w="9525">
                   <a:solidFill>
                     <a:srgbClr val="000000"/>
                   </a:solidFill>
@@ -2881,7 +2881,7 @@
             </a:ln>
             <a:extLst>
               <a:ext uri="{91240B29-F687-4f45-9708-019B960494DF}">
-                <a14:hiddenLine xmlns:a14="http://schemas.microsoft.com/office/drawing/2010/main" xmlns="" w="9525">
+                <a14:hiddenLine xmlns="" xmlns:a14="http://schemas.microsoft.com/office/drawing/2010/main" w="9525">
                   <a:solidFill>
                     <a:srgbClr val="000000"/>
                   </a:solidFill>
@@ -2943,7 +2943,7 @@
             </a:ln>
             <a:extLst>
               <a:ext uri="{91240B29-F687-4f45-9708-019B960494DF}">
-                <a14:hiddenLine xmlns:a14="http://schemas.microsoft.com/office/drawing/2010/main" xmlns="" w="9525">
+                <a14:hiddenLine xmlns="" xmlns:a14="http://schemas.microsoft.com/office/drawing/2010/main" w="9525">
                   <a:solidFill>
                     <a:srgbClr val="000000"/>
                   </a:solidFill>
@@ -3033,7 +3033,7 @@
             </a:ln>
             <a:extLst>
               <a:ext uri="{91240B29-F687-4f45-9708-019B960494DF}">
-                <a14:hiddenLine xmlns:a14="http://schemas.microsoft.com/office/drawing/2010/main" xmlns="" w="9525">
+                <a14:hiddenLine xmlns="" xmlns:a14="http://schemas.microsoft.com/office/drawing/2010/main" w="9525">
                   <a:solidFill>
                     <a:srgbClr val="000000"/>
                   </a:solidFill>
@@ -3095,7 +3095,7 @@
             </a:ln>
             <a:extLst>
               <a:ext uri="{91240B29-F687-4f45-9708-019B960494DF}">
-                <a14:hiddenLine xmlns:a14="http://schemas.microsoft.com/office/drawing/2010/main" xmlns="" w="9525">
+                <a14:hiddenLine xmlns="" xmlns:a14="http://schemas.microsoft.com/office/drawing/2010/main" w="9525">
                   <a:solidFill>
                     <a:srgbClr val="000000"/>
                   </a:solidFill>
@@ -3185,7 +3185,7 @@
             </a:ln>
             <a:extLst>
               <a:ext uri="{91240B29-F687-4f45-9708-019B960494DF}">
-                <a14:hiddenLine xmlns:a14="http://schemas.microsoft.com/office/drawing/2010/main" xmlns="" w="9525">
+                <a14:hiddenLine xmlns="" xmlns:a14="http://schemas.microsoft.com/office/drawing/2010/main" w="9525">
                   <a:solidFill>
                     <a:srgbClr val="000000"/>
                   </a:solidFill>
@@ -3219,7 +3219,7 @@
             </a:ln>
             <a:extLst>
               <a:ext uri="{91240B29-F687-4f45-9708-019B960494DF}">
-                <a14:hiddenLine xmlns:a14="http://schemas.microsoft.com/office/drawing/2010/main" xmlns="" w="9525">
+                <a14:hiddenLine xmlns="" xmlns:a14="http://schemas.microsoft.com/office/drawing/2010/main" w="9525">
                   <a:solidFill>
                     <a:srgbClr val="000000"/>
                   </a:solidFill>
@@ -3284,7 +3284,7 @@
             </a:ln>
             <a:extLst>
               <a:ext uri="{91240B29-F687-4f45-9708-019B960494DF}">
-                <a14:hiddenLine xmlns:a14="http://schemas.microsoft.com/office/drawing/2010/main" xmlns="" w="9525">
+                <a14:hiddenLine xmlns="" xmlns:a14="http://schemas.microsoft.com/office/drawing/2010/main" w="9525">
                   <a:solidFill>
                     <a:srgbClr val="000000"/>
                   </a:solidFill>
@@ -3374,7 +3374,7 @@
             </a:ln>
             <a:extLst>
               <a:ext uri="{91240B29-F687-4f45-9708-019B960494DF}">
-                <a14:hiddenLine xmlns:a14="http://schemas.microsoft.com/office/drawing/2010/main" xmlns="" w="9525">
+                <a14:hiddenLine xmlns="" xmlns:a14="http://schemas.microsoft.com/office/drawing/2010/main" w="9525">
                   <a:solidFill>
                     <a:srgbClr val="000000"/>
                   </a:solidFill>
@@ -3436,7 +3436,7 @@
             </a:ln>
             <a:extLst>
               <a:ext uri="{91240B29-F687-4f45-9708-019B960494DF}">
-                <a14:hiddenLine xmlns:a14="http://schemas.microsoft.com/office/drawing/2010/main" xmlns="" w="9525">
+                <a14:hiddenLine xmlns="" xmlns:a14="http://schemas.microsoft.com/office/drawing/2010/main" w="9525">
                   <a:solidFill>
                     <a:srgbClr val="000000"/>
                   </a:solidFill>
@@ -3526,7 +3526,7 @@
             </a:ln>
             <a:extLst>
               <a:ext uri="{91240B29-F687-4f45-9708-019B960494DF}">
-                <a14:hiddenLine xmlns:a14="http://schemas.microsoft.com/office/drawing/2010/main" xmlns="" w="9525">
+                <a14:hiddenLine xmlns="" xmlns:a14="http://schemas.microsoft.com/office/drawing/2010/main" w="9525">
                   <a:solidFill>
                     <a:srgbClr val="000000"/>
                   </a:solidFill>
@@ -3616,7 +3616,7 @@
             </a:ln>
             <a:extLst>
               <a:ext uri="{91240B29-F687-4f45-9708-019B960494DF}">
-                <a14:hiddenLine xmlns:a14="http://schemas.microsoft.com/office/drawing/2010/main" xmlns="" w="9525">
+                <a14:hiddenLine xmlns="" xmlns:a14="http://schemas.microsoft.com/office/drawing/2010/main" w="9525">
                   <a:solidFill>
                     <a:srgbClr val="000000"/>
                   </a:solidFill>
@@ -3681,7 +3681,7 @@
             </a:ln>
             <a:extLst>
               <a:ext uri="{91240B29-F687-4f45-9708-019B960494DF}">
-                <a14:hiddenLine xmlns:a14="http://schemas.microsoft.com/office/drawing/2010/main" xmlns="" w="9525">
+                <a14:hiddenLine xmlns="" xmlns:a14="http://schemas.microsoft.com/office/drawing/2010/main" w="9525">
                   <a:solidFill>
                     <a:srgbClr val="000000"/>
                   </a:solidFill>
@@ -3743,7 +3743,7 @@
             </a:ln>
             <a:extLst>
               <a:ext uri="{91240B29-F687-4f45-9708-019B960494DF}">
-                <a14:hiddenLine xmlns:a14="http://schemas.microsoft.com/office/drawing/2010/main" xmlns="" w="9525">
+                <a14:hiddenLine xmlns="" xmlns:a14="http://schemas.microsoft.com/office/drawing/2010/main" w="9525">
                   <a:solidFill>
                     <a:srgbClr val="000000"/>
                   </a:solidFill>
@@ -3833,7 +3833,7 @@
             </a:ln>
             <a:extLst>
               <a:ext uri="{91240B29-F687-4f45-9708-019B960494DF}">
-                <a14:hiddenLine xmlns:a14="http://schemas.microsoft.com/office/drawing/2010/main" xmlns="" w="9525">
+                <a14:hiddenLine xmlns="" xmlns:a14="http://schemas.microsoft.com/office/drawing/2010/main" w="9525">
                   <a:solidFill>
                     <a:srgbClr val="000000"/>
                   </a:solidFill>
@@ -3923,7 +3923,7 @@
             </a:ln>
             <a:extLst>
               <a:ext uri="{91240B29-F687-4f45-9708-019B960494DF}">
-                <a14:hiddenLine xmlns:a14="http://schemas.microsoft.com/office/drawing/2010/main" xmlns="" w="9525">
+                <a14:hiddenLine xmlns="" xmlns:a14="http://schemas.microsoft.com/office/drawing/2010/main" w="9525">
                   <a:solidFill>
                     <a:srgbClr val="000000"/>
                   </a:solidFill>
@@ -3985,7 +3985,7 @@
             </a:ln>
             <a:extLst>
               <a:ext uri="{91240B29-F687-4f45-9708-019B960494DF}">
-                <a14:hiddenLine xmlns:a14="http://schemas.microsoft.com/office/drawing/2010/main" xmlns="" w="9525">
+                <a14:hiddenLine xmlns="" xmlns:a14="http://schemas.microsoft.com/office/drawing/2010/main" w="9525">
                   <a:solidFill>
                     <a:srgbClr val="000000"/>
                   </a:solidFill>
@@ -4105,7 +4105,7 @@
             </a:ln>
             <a:extLst>
               <a:ext uri="{91240B29-F687-4f45-9708-019B960494DF}">
-                <a14:hiddenLine xmlns:a14="http://schemas.microsoft.com/office/drawing/2010/main" xmlns="" w="9525">
+                <a14:hiddenLine xmlns="" xmlns:a14="http://schemas.microsoft.com/office/drawing/2010/main" w="9525">
                   <a:solidFill>
                     <a:srgbClr val="000000"/>
                   </a:solidFill>
@@ -4173,7 +4173,7 @@
             </a:ln>
             <a:extLst>
               <a:ext uri="{91240B29-F687-4f45-9708-019B960494DF}">
-                <a14:hiddenLine xmlns:a14="http://schemas.microsoft.com/office/drawing/2010/main" xmlns="" w="9525">
+                <a14:hiddenLine xmlns="" xmlns:a14="http://schemas.microsoft.com/office/drawing/2010/main" w="9525">
                   <a:solidFill>
                     <a:srgbClr val="000000"/>
                   </a:solidFill>
@@ -4263,7 +4263,7 @@
             </a:ln>
             <a:extLst>
               <a:ext uri="{91240B29-F687-4f45-9708-019B960494DF}">
-                <a14:hiddenLine xmlns:a14="http://schemas.microsoft.com/office/drawing/2010/main" xmlns="" w="9525">
+                <a14:hiddenLine xmlns="" xmlns:a14="http://schemas.microsoft.com/office/drawing/2010/main" w="9525">
                   <a:solidFill>
                     <a:srgbClr val="000000"/>
                   </a:solidFill>
@@ -4403,7 +4403,7 @@
           <a:p>
             <a:fld id="{48A87A34-81AB-432B-8DAE-1953F412C126}" type="datetimeFigureOut">
               <a:rPr lang="en-US" dirty="0"/>
-              <a:t>8/9/2019</a:t>
+              <a:t>4/9/2020</a:t>
             </a:fld>
             <a:endParaRPr lang="en-US" dirty="0"/>
           </a:p>
@@ -4665,7 +4665,7 @@
           <a:p>
             <a:fld id="{48A87A34-81AB-432B-8DAE-1953F412C126}" type="datetimeFigureOut">
               <a:rPr lang="en-US" dirty="0"/>
-              <a:t>8/9/2019</a:t>
+              <a:t>4/9/2020</a:t>
             </a:fld>
             <a:endParaRPr lang="en-US" dirty="0"/>
           </a:p>
@@ -4856,7 +4856,7 @@
           <a:p>
             <a:fld id="{48A87A34-81AB-432B-8DAE-1953F412C126}" type="datetimeFigureOut">
               <a:rPr lang="en-US" dirty="0"/>
-              <a:t>8/9/2019</a:t>
+              <a:t>4/9/2020</a:t>
             </a:fld>
             <a:endParaRPr lang="en-US" dirty="0"/>
           </a:p>
@@ -5114,7 +5114,7 @@
           <a:p>
             <a:fld id="{48A87A34-81AB-432B-8DAE-1953F412C126}" type="datetimeFigureOut">
               <a:rPr lang="en-US" dirty="0"/>
-              <a:t>8/9/2019</a:t>
+              <a:t>4/9/2020</a:t>
             </a:fld>
             <a:endParaRPr lang="en-US" dirty="0"/>
           </a:p>
@@ -5543,7 +5543,7 @@
           <a:p>
             <a:fld id="{48A87A34-81AB-432B-8DAE-1953F412C126}" type="datetimeFigureOut">
               <a:rPr lang="en-US" dirty="0"/>
-              <a:t>8/9/2019</a:t>
+              <a:t>4/9/2020</a:t>
             </a:fld>
             <a:endParaRPr lang="en-US" dirty="0"/>
           </a:p>
@@ -6084,7 +6084,7 @@
           <a:p>
             <a:fld id="{48A87A34-81AB-432B-8DAE-1953F412C126}" type="datetimeFigureOut">
               <a:rPr lang="en-US" dirty="0"/>
-              <a:t>8/9/2019</a:t>
+              <a:t>4/9/2020</a:t>
             </a:fld>
             <a:endParaRPr lang="en-US" dirty="0"/>
           </a:p>
@@ -6799,7 +6799,7 @@
           <a:p>
             <a:fld id="{48A87A34-81AB-432B-8DAE-1953F412C126}" type="datetimeFigureOut">
               <a:rPr lang="en-US" dirty="0"/>
-              <a:t>8/9/2019</a:t>
+              <a:t>4/9/2020</a:t>
             </a:fld>
             <a:endParaRPr lang="en-US" dirty="0"/>
           </a:p>
@@ -6964,7 +6964,7 @@
           <a:p>
             <a:fld id="{48A87A34-81AB-432B-8DAE-1953F412C126}" type="datetimeFigureOut">
               <a:rPr lang="en-US" dirty="0"/>
-              <a:t>8/9/2019</a:t>
+              <a:t>4/9/2020</a:t>
             </a:fld>
             <a:endParaRPr lang="en-US" dirty="0"/>
           </a:p>
@@ -7139,7 +7139,7 @@
           <a:p>
             <a:fld id="{48A87A34-81AB-432B-8DAE-1953F412C126}" type="datetimeFigureOut">
               <a:rPr lang="en-US" dirty="0"/>
-              <a:t>8/9/2019</a:t>
+              <a:t>4/9/2020</a:t>
             </a:fld>
             <a:endParaRPr lang="en-US" dirty="0"/>
           </a:p>
@@ -7304,7 +7304,7 @@
           <a:p>
             <a:fld id="{48A87A34-81AB-432B-8DAE-1953F412C126}" type="datetimeFigureOut">
               <a:rPr lang="en-US" dirty="0"/>
-              <a:t>8/9/2019</a:t>
+              <a:t>4/9/2020</a:t>
             </a:fld>
             <a:endParaRPr lang="en-US" dirty="0"/>
           </a:p>
@@ -7549,7 +7549,7 @@
           <a:p>
             <a:fld id="{48A87A34-81AB-432B-8DAE-1953F412C126}" type="datetimeFigureOut">
               <a:rPr lang="en-US" dirty="0"/>
-              <a:t>8/9/2019</a:t>
+              <a:t>4/9/2020</a:t>
             </a:fld>
             <a:endParaRPr lang="en-US" dirty="0"/>
           </a:p>
@@ -7776,7 +7776,7 @@
           <a:p>
             <a:fld id="{48A87A34-81AB-432B-8DAE-1953F412C126}" type="datetimeFigureOut">
               <a:rPr lang="en-US" dirty="0"/>
-              <a:t>8/9/2019</a:t>
+              <a:t>4/9/2020</a:t>
             </a:fld>
             <a:endParaRPr lang="en-US" dirty="0"/>
           </a:p>
@@ -8152,7 +8152,7 @@
           <a:p>
             <a:fld id="{48A87A34-81AB-432B-8DAE-1953F412C126}" type="datetimeFigureOut">
               <a:rPr lang="en-US" dirty="0"/>
-              <a:t>8/9/2019</a:t>
+              <a:t>4/9/2020</a:t>
             </a:fld>
             <a:endParaRPr lang="en-US" dirty="0"/>
           </a:p>
@@ -8265,7 +8265,7 @@
           <a:p>
             <a:fld id="{48A87A34-81AB-432B-8DAE-1953F412C126}" type="datetimeFigureOut">
               <a:rPr lang="en-US" dirty="0"/>
-              <a:t>8/9/2019</a:t>
+              <a:t>4/9/2020</a:t>
             </a:fld>
             <a:endParaRPr lang="en-US" dirty="0"/>
           </a:p>
@@ -8355,7 +8355,7 @@
           <a:p>
             <a:fld id="{48A87A34-81AB-432B-8DAE-1953F412C126}" type="datetimeFigureOut">
               <a:rPr lang="en-US" dirty="0"/>
-              <a:t>8/9/2019</a:t>
+              <a:t>4/9/2020</a:t>
             </a:fld>
             <a:endParaRPr lang="en-US" dirty="0"/>
           </a:p>
@@ -8599,7 +8599,7 @@
           <a:p>
             <a:fld id="{48A87A34-81AB-432B-8DAE-1953F412C126}" type="datetimeFigureOut">
               <a:rPr lang="en-US" dirty="0"/>
-              <a:t>8/9/2019</a:t>
+              <a:t>4/9/2020</a:t>
             </a:fld>
             <a:endParaRPr lang="en-US" dirty="0"/>
           </a:p>
@@ -8874,7 +8874,7 @@
           <a:p>
             <a:fld id="{48A87A34-81AB-432B-8DAE-1953F412C126}" type="datetimeFigureOut">
               <a:rPr lang="en-US" dirty="0"/>
-              <a:t>8/9/2019</a:t>
+              <a:t>4/9/2020</a:t>
             </a:fld>
             <a:endParaRPr lang="en-US" dirty="0"/>
           </a:p>
@@ -8985,7 +8985,7 @@
           <a:noFill/>
           <a:extLst>
             <a:ext uri="{909E8E84-426E-40dd-AFC4-6F175D3DCCD1}">
-              <a14:hiddenFill xmlns:a14="http://schemas.microsoft.com/office/drawing/2010/main" xmlns="">
+              <a14:hiddenFill xmlns="" xmlns:a14="http://schemas.microsoft.com/office/drawing/2010/main">
                 <a:solidFill>
                   <a:srgbClr val="FFFFFF"/>
                 </a:solidFill>
@@ -9059,7 +9059,7 @@
               </a:ln>
               <a:extLst>
                 <a:ext uri="{91240B29-F687-4f45-9708-019B960494DF}">
-                  <a14:hiddenLine xmlns:a14="http://schemas.microsoft.com/office/drawing/2010/main" xmlns="" w="9525">
+                  <a14:hiddenLine xmlns="" xmlns:a14="http://schemas.microsoft.com/office/drawing/2010/main" w="9525">
                     <a:solidFill>
                       <a:srgbClr val="000000"/>
                     </a:solidFill>
@@ -9149,7 +9149,7 @@
               </a:ln>
               <a:extLst>
                 <a:ext uri="{91240B29-F687-4f45-9708-019B960494DF}">
-                  <a14:hiddenLine xmlns:a14="http://schemas.microsoft.com/office/drawing/2010/main" xmlns="" w="9525">
+                  <a14:hiddenLine xmlns="" xmlns:a14="http://schemas.microsoft.com/office/drawing/2010/main" w="9525">
                     <a:solidFill>
                       <a:srgbClr val="000000"/>
                     </a:solidFill>
@@ -9239,7 +9239,7 @@
               </a:ln>
               <a:extLst>
                 <a:ext uri="{91240B29-F687-4f45-9708-019B960494DF}">
-                  <a14:hiddenLine xmlns:a14="http://schemas.microsoft.com/office/drawing/2010/main" xmlns="" w="9525">
+                  <a14:hiddenLine xmlns="" xmlns:a14="http://schemas.microsoft.com/office/drawing/2010/main" w="9525">
                     <a:solidFill>
                       <a:srgbClr val="000000"/>
                     </a:solidFill>
@@ -9301,7 +9301,7 @@
               </a:ln>
               <a:extLst>
                 <a:ext uri="{91240B29-F687-4f45-9708-019B960494DF}">
-                  <a14:hiddenLine xmlns:a14="http://schemas.microsoft.com/office/drawing/2010/main" xmlns="" w="9525">
+                  <a14:hiddenLine xmlns="" xmlns:a14="http://schemas.microsoft.com/office/drawing/2010/main" w="9525">
                     <a:solidFill>
                       <a:srgbClr val="000000"/>
                     </a:solidFill>
@@ -9391,7 +9391,7 @@
               </a:ln>
               <a:extLst>
                 <a:ext uri="{91240B29-F687-4f45-9708-019B960494DF}">
-                  <a14:hiddenLine xmlns:a14="http://schemas.microsoft.com/office/drawing/2010/main" xmlns="" w="9525">
+                  <a14:hiddenLine xmlns="" xmlns:a14="http://schemas.microsoft.com/office/drawing/2010/main" w="9525">
                     <a:solidFill>
                       <a:srgbClr val="000000"/>
                     </a:solidFill>
@@ -9453,7 +9453,7 @@
               </a:ln>
               <a:extLst>
                 <a:ext uri="{91240B29-F687-4f45-9708-019B960494DF}">
-                  <a14:hiddenLine xmlns:a14="http://schemas.microsoft.com/office/drawing/2010/main" xmlns="" w="9525">
+                  <a14:hiddenLine xmlns="" xmlns:a14="http://schemas.microsoft.com/office/drawing/2010/main" w="9525">
                     <a:solidFill>
                       <a:srgbClr val="000000"/>
                     </a:solidFill>
@@ -9515,7 +9515,7 @@
               </a:ln>
               <a:extLst>
                 <a:ext uri="{91240B29-F687-4f45-9708-019B960494DF}">
-                  <a14:hiddenLine xmlns:a14="http://schemas.microsoft.com/office/drawing/2010/main" xmlns="" w="9525">
+                  <a14:hiddenLine xmlns="" xmlns:a14="http://schemas.microsoft.com/office/drawing/2010/main" w="9525">
                     <a:solidFill>
                       <a:srgbClr val="000000"/>
                     </a:solidFill>
@@ -9605,7 +9605,7 @@
               </a:ln>
               <a:extLst>
                 <a:ext uri="{91240B29-F687-4f45-9708-019B960494DF}">
-                  <a14:hiddenLine xmlns:a14="http://schemas.microsoft.com/office/drawing/2010/main" xmlns="" w="9525">
+                  <a14:hiddenLine xmlns="" xmlns:a14="http://schemas.microsoft.com/office/drawing/2010/main" w="9525">
                     <a:solidFill>
                       <a:srgbClr val="000000"/>
                     </a:solidFill>
@@ -9695,7 +9695,7 @@
               </a:ln>
               <a:extLst>
                 <a:ext uri="{91240B29-F687-4f45-9708-019B960494DF}">
-                  <a14:hiddenLine xmlns:a14="http://schemas.microsoft.com/office/drawing/2010/main" xmlns="" w="9525">
+                  <a14:hiddenLine xmlns="" xmlns:a14="http://schemas.microsoft.com/office/drawing/2010/main" w="9525">
                     <a:solidFill>
                       <a:srgbClr val="000000"/>
                     </a:solidFill>
@@ -9757,7 +9757,7 @@
               </a:ln>
               <a:extLst>
                 <a:ext uri="{91240B29-F687-4f45-9708-019B960494DF}">
-                  <a14:hiddenLine xmlns:a14="http://schemas.microsoft.com/office/drawing/2010/main" xmlns="" w="9525">
+                  <a14:hiddenLine xmlns="" xmlns:a14="http://schemas.microsoft.com/office/drawing/2010/main" w="9525">
                     <a:solidFill>
                       <a:srgbClr val="000000"/>
                     </a:solidFill>
@@ -9867,7 +9867,7 @@
               </a:ln>
               <a:extLst>
                 <a:ext uri="{91240B29-F687-4f45-9708-019B960494DF}">
-                  <a14:hiddenLine xmlns:a14="http://schemas.microsoft.com/office/drawing/2010/main" xmlns="" w="9525">
+                  <a14:hiddenLine xmlns="" xmlns:a14="http://schemas.microsoft.com/office/drawing/2010/main" w="9525">
                     <a:solidFill>
                       <a:srgbClr val="000000"/>
                     </a:solidFill>
@@ -9951,7 +9951,7 @@
               </a:ln>
               <a:extLst>
                 <a:ext uri="{91240B29-F687-4f45-9708-019B960494DF}">
-                  <a14:hiddenLine xmlns:a14="http://schemas.microsoft.com/office/drawing/2010/main" xmlns="" w="9525">
+                  <a14:hiddenLine xmlns="" xmlns:a14="http://schemas.microsoft.com/office/drawing/2010/main" w="9525">
                     <a:solidFill>
                       <a:srgbClr val="000000"/>
                     </a:solidFill>
@@ -10013,7 +10013,7 @@
               </a:ln>
               <a:extLst>
                 <a:ext uri="{91240B29-F687-4f45-9708-019B960494DF}">
-                  <a14:hiddenLine xmlns:a14="http://schemas.microsoft.com/office/drawing/2010/main" xmlns="" w="9525">
+                  <a14:hiddenLine xmlns="" xmlns:a14="http://schemas.microsoft.com/office/drawing/2010/main" w="9525">
                     <a:solidFill>
                       <a:srgbClr val="000000"/>
                     </a:solidFill>
@@ -10075,7 +10075,7 @@
               </a:ln>
               <a:extLst>
                 <a:ext uri="{91240B29-F687-4f45-9708-019B960494DF}">
-                  <a14:hiddenLine xmlns:a14="http://schemas.microsoft.com/office/drawing/2010/main" xmlns="" w="9525">
+                  <a14:hiddenLine xmlns="" xmlns:a14="http://schemas.microsoft.com/office/drawing/2010/main" w="9525">
                     <a:solidFill>
                       <a:srgbClr val="000000"/>
                     </a:solidFill>
@@ -10165,7 +10165,7 @@
               </a:ln>
               <a:extLst>
                 <a:ext uri="{91240B29-F687-4f45-9708-019B960494DF}">
-                  <a14:hiddenLine xmlns:a14="http://schemas.microsoft.com/office/drawing/2010/main" xmlns="" w="9525">
+                  <a14:hiddenLine xmlns="" xmlns:a14="http://schemas.microsoft.com/office/drawing/2010/main" w="9525">
                     <a:solidFill>
                       <a:srgbClr val="000000"/>
                     </a:solidFill>
@@ -10199,7 +10199,7 @@
               </a:ln>
               <a:extLst>
                 <a:ext uri="{91240B29-F687-4f45-9708-019B960494DF}">
-                  <a14:hiddenLine xmlns:a14="http://schemas.microsoft.com/office/drawing/2010/main" xmlns="" w="9525">
+                  <a14:hiddenLine xmlns="" xmlns:a14="http://schemas.microsoft.com/office/drawing/2010/main" w="9525">
                     <a:solidFill>
                       <a:srgbClr val="000000"/>
                     </a:solidFill>
@@ -10264,7 +10264,7 @@
               </a:ln>
               <a:extLst>
                 <a:ext uri="{91240B29-F687-4f45-9708-019B960494DF}">
-                  <a14:hiddenLine xmlns:a14="http://schemas.microsoft.com/office/drawing/2010/main" xmlns="" w="9525">
+                  <a14:hiddenLine xmlns="" xmlns:a14="http://schemas.microsoft.com/office/drawing/2010/main" w="9525">
                     <a:solidFill>
                       <a:srgbClr val="000000"/>
                     </a:solidFill>
@@ -10354,7 +10354,7 @@
               </a:ln>
               <a:extLst>
                 <a:ext uri="{91240B29-F687-4f45-9708-019B960494DF}">
-                  <a14:hiddenLine xmlns:a14="http://schemas.microsoft.com/office/drawing/2010/main" xmlns="" w="9525">
+                  <a14:hiddenLine xmlns="" xmlns:a14="http://schemas.microsoft.com/office/drawing/2010/main" w="9525">
                     <a:solidFill>
                       <a:srgbClr val="000000"/>
                     </a:solidFill>
@@ -10416,7 +10416,7 @@
               </a:ln>
               <a:extLst>
                 <a:ext uri="{91240B29-F687-4f45-9708-019B960494DF}">
-                  <a14:hiddenLine xmlns:a14="http://schemas.microsoft.com/office/drawing/2010/main" xmlns="" w="9525">
+                  <a14:hiddenLine xmlns="" xmlns:a14="http://schemas.microsoft.com/office/drawing/2010/main" w="9525">
                     <a:solidFill>
                       <a:srgbClr val="000000"/>
                     </a:solidFill>
@@ -10506,7 +10506,7 @@
               </a:ln>
               <a:extLst>
                 <a:ext uri="{91240B29-F687-4f45-9708-019B960494DF}">
-                  <a14:hiddenLine xmlns:a14="http://schemas.microsoft.com/office/drawing/2010/main" xmlns="" w="9525">
+                  <a14:hiddenLine xmlns="" xmlns:a14="http://schemas.microsoft.com/office/drawing/2010/main" w="9525">
                     <a:solidFill>
                       <a:srgbClr val="000000"/>
                     </a:solidFill>
@@ -10571,7 +10571,7 @@
               </a:ln>
               <a:extLst>
                 <a:ext uri="{91240B29-F687-4f45-9708-019B960494DF}">
-                  <a14:hiddenLine xmlns:a14="http://schemas.microsoft.com/office/drawing/2010/main" xmlns="" w="9525">
+                  <a14:hiddenLine xmlns="" xmlns:a14="http://schemas.microsoft.com/office/drawing/2010/main" w="9525">
                     <a:solidFill>
                       <a:srgbClr val="000000"/>
                     </a:solidFill>
@@ -10633,7 +10633,7 @@
               </a:ln>
               <a:extLst>
                 <a:ext uri="{91240B29-F687-4f45-9708-019B960494DF}">
-                  <a14:hiddenLine xmlns:a14="http://schemas.microsoft.com/office/drawing/2010/main" xmlns="" w="9525">
+                  <a14:hiddenLine xmlns="" xmlns:a14="http://schemas.microsoft.com/office/drawing/2010/main" w="9525">
                     <a:solidFill>
                       <a:srgbClr val="000000"/>
                     </a:solidFill>
@@ -10723,7 +10723,7 @@
               </a:ln>
               <a:extLst>
                 <a:ext uri="{91240B29-F687-4f45-9708-019B960494DF}">
-                  <a14:hiddenLine xmlns:a14="http://schemas.microsoft.com/office/drawing/2010/main" xmlns="" w="9525">
+                  <a14:hiddenLine xmlns="" xmlns:a14="http://schemas.microsoft.com/office/drawing/2010/main" w="9525">
                     <a:solidFill>
                       <a:srgbClr val="000000"/>
                     </a:solidFill>
@@ -10813,7 +10813,7 @@
               </a:ln>
               <a:extLst>
                 <a:ext uri="{91240B29-F687-4f45-9708-019B960494DF}">
-                  <a14:hiddenLine xmlns:a14="http://schemas.microsoft.com/office/drawing/2010/main" xmlns="" w="9525">
+                  <a14:hiddenLine xmlns="" xmlns:a14="http://schemas.microsoft.com/office/drawing/2010/main" w="9525">
                     <a:solidFill>
                       <a:srgbClr val="000000"/>
                     </a:solidFill>
@@ -10878,7 +10878,7 @@
               </a:ln>
               <a:extLst>
                 <a:ext uri="{91240B29-F687-4f45-9708-019B960494DF}">
-                  <a14:hiddenLine xmlns:a14="http://schemas.microsoft.com/office/drawing/2010/main" xmlns="" w="9525">
+                  <a14:hiddenLine xmlns="" xmlns:a14="http://schemas.microsoft.com/office/drawing/2010/main" w="9525">
                     <a:solidFill>
                       <a:srgbClr val="000000"/>
                     </a:solidFill>
@@ -10998,7 +10998,7 @@
               </a:ln>
               <a:extLst>
                 <a:ext uri="{91240B29-F687-4f45-9708-019B960494DF}">
-                  <a14:hiddenLine xmlns:a14="http://schemas.microsoft.com/office/drawing/2010/main" xmlns="" w="9525">
+                  <a14:hiddenLine xmlns="" xmlns:a14="http://schemas.microsoft.com/office/drawing/2010/main" w="9525">
                     <a:solidFill>
                       <a:srgbClr val="000000"/>
                     </a:solidFill>
@@ -11096,7 +11096,7 @@
               </a:ln>
               <a:extLst>
                 <a:ext uri="{91240B29-F687-4f45-9708-019B960494DF}">
-                  <a14:hiddenLine xmlns:a14="http://schemas.microsoft.com/office/drawing/2010/main" xmlns="" w="9525">
+                  <a14:hiddenLine xmlns="" xmlns:a14="http://schemas.microsoft.com/office/drawing/2010/main" w="9525">
                     <a:solidFill>
                       <a:srgbClr val="000000"/>
                     </a:solidFill>
@@ -11211,7 +11211,7 @@
               </a:ln>
               <a:extLst>
                 <a:ext uri="{91240B29-F687-4f45-9708-019B960494DF}">
-                  <a14:hiddenLine xmlns:a14="http://schemas.microsoft.com/office/drawing/2010/main" xmlns="" w="9525">
+                  <a14:hiddenLine xmlns="" xmlns:a14="http://schemas.microsoft.com/office/drawing/2010/main" w="9525">
                     <a:solidFill>
                       <a:srgbClr val="000000"/>
                     </a:solidFill>
@@ -11301,7 +11301,7 @@
               </a:ln>
               <a:extLst>
                 <a:ext uri="{91240B29-F687-4f45-9708-019B960494DF}">
-                  <a14:hiddenLine xmlns:a14="http://schemas.microsoft.com/office/drawing/2010/main" xmlns="" w="9525">
+                  <a14:hiddenLine xmlns="" xmlns:a14="http://schemas.microsoft.com/office/drawing/2010/main" w="9525">
                     <a:solidFill>
                       <a:srgbClr val="000000"/>
                     </a:solidFill>
@@ -11366,7 +11366,7 @@
               </a:ln>
               <a:extLst>
                 <a:ext uri="{91240B29-F687-4f45-9708-019B960494DF}">
-                  <a14:hiddenLine xmlns:a14="http://schemas.microsoft.com/office/drawing/2010/main" xmlns="" w="9525">
+                  <a14:hiddenLine xmlns="" xmlns:a14="http://schemas.microsoft.com/office/drawing/2010/main" w="9525">
                     <a:solidFill>
                       <a:srgbClr val="000000"/>
                     </a:solidFill>
@@ -11456,7 +11456,7 @@
               </a:ln>
               <a:extLst>
                 <a:ext uri="{91240B29-F687-4f45-9708-019B960494DF}">
-                  <a14:hiddenLine xmlns:a14="http://schemas.microsoft.com/office/drawing/2010/main" xmlns="" w="9525">
+                  <a14:hiddenLine xmlns="" xmlns:a14="http://schemas.microsoft.com/office/drawing/2010/main" w="9525">
                     <a:solidFill>
                       <a:srgbClr val="000000"/>
                     </a:solidFill>
@@ -11524,7 +11524,7 @@
               </a:ln>
               <a:extLst>
                 <a:ext uri="{91240B29-F687-4f45-9708-019B960494DF}">
-                  <a14:hiddenLine xmlns:a14="http://schemas.microsoft.com/office/drawing/2010/main" xmlns="" w="9525">
+                  <a14:hiddenLine xmlns="" xmlns:a14="http://schemas.microsoft.com/office/drawing/2010/main" w="9525">
                     <a:solidFill>
                       <a:srgbClr val="000000"/>
                     </a:solidFill>
@@ -11614,7 +11614,7 @@
               </a:ln>
               <a:extLst>
                 <a:ext uri="{91240B29-F687-4f45-9708-019B960494DF}">
-                  <a14:hiddenLine xmlns:a14="http://schemas.microsoft.com/office/drawing/2010/main" xmlns="" w="9525">
+                  <a14:hiddenLine xmlns="" xmlns:a14="http://schemas.microsoft.com/office/drawing/2010/main" w="9525">
                     <a:solidFill>
                       <a:srgbClr val="000000"/>
                     </a:solidFill>
@@ -11682,7 +11682,7 @@
               </a:ln>
               <a:extLst>
                 <a:ext uri="{91240B29-F687-4f45-9708-019B960494DF}">
-                  <a14:hiddenLine xmlns:a14="http://schemas.microsoft.com/office/drawing/2010/main" xmlns="" w="9525">
+                  <a14:hiddenLine xmlns="" xmlns:a14="http://schemas.microsoft.com/office/drawing/2010/main" w="9525">
                     <a:solidFill>
                       <a:srgbClr val="000000"/>
                     </a:solidFill>
@@ -11772,7 +11772,7 @@
               </a:ln>
               <a:extLst>
                 <a:ext uri="{91240B29-F687-4f45-9708-019B960494DF}">
-                  <a14:hiddenLine xmlns:a14="http://schemas.microsoft.com/office/drawing/2010/main" xmlns="" w="9525">
+                  <a14:hiddenLine xmlns="" xmlns:a14="http://schemas.microsoft.com/office/drawing/2010/main" w="9525">
                     <a:solidFill>
                       <a:srgbClr val="000000"/>
                     </a:solidFill>
@@ -11806,7 +11806,7 @@
               </a:ln>
               <a:extLst>
                 <a:ext uri="{91240B29-F687-4f45-9708-019B960494DF}">
-                  <a14:hiddenLine xmlns:a14="http://schemas.microsoft.com/office/drawing/2010/main" xmlns="" w="9525">
+                  <a14:hiddenLine xmlns="" xmlns:a14="http://schemas.microsoft.com/office/drawing/2010/main" w="9525">
                     <a:solidFill>
                       <a:srgbClr val="000000"/>
                     </a:solidFill>
@@ -11947,7 +11947,7 @@
             <a:fld id="{48A87A34-81AB-432B-8DAE-1953F412C126}" type="datetimeFigureOut">
               <a:rPr lang="en-US" dirty="0"/>
               <a:pPr/>
-              <a:t>8/9/2019</a:t>
+              <a:t>4/9/2020</a:t>
             </a:fld>
             <a:endParaRPr lang="en-US" dirty="0"/>
           </a:p>
@@ -12445,7 +12445,7 @@
                 <a:ea typeface="Tahoma" panose="020B0604030504040204" pitchFamily="34" charset="0"/>
                 <a:cs typeface="Tahoma" panose="020B0604030504040204" pitchFamily="34" charset="0"/>
               </a:rPr>
-              <a:t>For Cityworks 15.4</a:t>
+              <a:t>For Cityworks 15.x</a:t>
             </a:r>
             <a:endParaRPr lang="en-US" dirty="0">
               <a:solidFill>
@@ -14151,32 +14151,48 @@
             </a:r>
           </a:p>
           <a:p>
-            <a:pPr marL="0" lvl="0" indent="0" algn="ctr">
+            <a:pPr marL="457200" lvl="1" indent="0">
               <a:buNone/>
             </a:pPr>
             <a:r>
-              <a:rPr lang="en-US" i="1" dirty="0">
+              <a:rPr lang="en-US" dirty="0">
                 <a:latin typeface="Tahoma" panose="020B0604030504040204" pitchFamily="34" charset="0"/>
                 <a:ea typeface="Tahoma" panose="020B0604030504040204" pitchFamily="34" charset="0"/>
                 <a:cs typeface="Tahoma" panose="020B0604030504040204" pitchFamily="34" charset="0"/>
               </a:rPr>
-              <a:t>“…</a:t>
-            </a:r>
-            <a:r>
-              <a:rPr lang="en-US" i="1" dirty="0" err="1">
+              <a:t>		…/</a:t>
+            </a:r>
+            <a:r>
+              <a:rPr lang="en-US" dirty="0" err="1">
                 <a:latin typeface="Tahoma" panose="020B0604030504040204" pitchFamily="34" charset="0"/>
                 <a:ea typeface="Tahoma" panose="020B0604030504040204" pitchFamily="34" charset="0"/>
                 <a:cs typeface="Tahoma" panose="020B0604030504040204" pitchFamily="34" charset="0"/>
               </a:rPr>
-              <a:t>CWAdmin</a:t>
-            </a:r>
-            <a:r>
-              <a:rPr lang="en-US" i="1" dirty="0">
+              <a:t>inetpub</a:t>
+            </a:r>
+            <a:r>
+              <a:rPr lang="en-US" dirty="0">
                 <a:latin typeface="Tahoma" panose="020B0604030504040204" pitchFamily="34" charset="0"/>
                 <a:ea typeface="Tahoma" panose="020B0604030504040204" pitchFamily="34" charset="0"/>
                 <a:cs typeface="Tahoma" panose="020B0604030504040204" pitchFamily="34" charset="0"/>
               </a:rPr>
-              <a:t>\&lt;site name&gt;\Website\Xml”</a:t>
+              <a:t>/</a:t>
+            </a:r>
+            <a:r>
+              <a:rPr lang="en-US" dirty="0" err="1">
+                <a:latin typeface="Tahoma" panose="020B0604030504040204" pitchFamily="34" charset="0"/>
+                <a:ea typeface="Tahoma" panose="020B0604030504040204" pitchFamily="34" charset="0"/>
+                <a:cs typeface="Tahoma" panose="020B0604030504040204" pitchFamily="34" charset="0"/>
+              </a:rPr>
+              <a:t>wwwroot</a:t>
+            </a:r>
+            <a:r>
+              <a:rPr lang="en-US" dirty="0">
+                <a:latin typeface="Tahoma" panose="020B0604030504040204" pitchFamily="34" charset="0"/>
+                <a:ea typeface="Tahoma" panose="020B0604030504040204" pitchFamily="34" charset="0"/>
+                <a:cs typeface="Tahoma" panose="020B0604030504040204" pitchFamily="34" charset="0"/>
+              </a:rPr>
+              <a:t>/&lt;site&gt;/Website/XML/…</a:t>
             </a:r>
           </a:p>
           <a:p>
@@ -14551,7 +14567,7 @@
                 <a:ea typeface="Tahoma" panose="020B0604030504040204" pitchFamily="34" charset="0"/>
                 <a:cs typeface="Tahoma" panose="020B0604030504040204" pitchFamily="34" charset="0"/>
               </a:rPr>
-              <a:t>Demonstrate injection of HTML, CSS, and JavaScript into XML.</a:t>
+              <a:t>Demonstrate injection of HTML and CSS into XML.</a:t>
             </a:r>
           </a:p>
           <a:p>
